--- a/docs/sprint2/archives/create-drip-state-diagram.pptx
+++ b/docs/sprint2/archives/create-drip-state-diagram.pptx
@@ -5,7 +5,7 @@
     <p:sldMasterId id="2147483648" r:id="rId1"/>
   </p:sldMasterIdLst>
   <p:sldIdLst>
-    <p:sldId id="258" r:id="rId2"/>
+    <p:sldId id="259" r:id="rId2"/>
   </p:sldIdLst>
   <p:sldSz cx="12192000" cy="6858000"/>
   <p:notesSz cx="6858000" cy="9144000"/>
@@ -2950,7 +2950,7 @@
       </p:grpSpPr>
       <p:pic>
         <p:nvPicPr>
-          <p:cNvPr id="5" name="Content Placeholder 4"/>
+          <p:cNvPr id="17" name="Content Placeholder 16"/>
           <p:cNvPicPr>
             <a:picLocks noGrp="1" noChangeAspect="1"/>
           </p:cNvPicPr>
@@ -2965,8 +2965,32 @@
           </a:stretch>
         </p:blipFill>
         <p:spPr>
+          <a:xfrm flipH="1" flipV="1">
+            <a:off x="1472285" y="3475390"/>
+            <a:ext cx="1064202" cy="506068"/>
+          </a:xfrm>
+          <a:prstGeom prst="rect">
+            <a:avLst/>
+          </a:prstGeom>
+        </p:spPr>
+      </p:pic>
+      <p:pic>
+        <p:nvPicPr>
+          <p:cNvPr id="7" name="Content Placeholder 4"/>
+          <p:cNvPicPr>
+            <a:picLocks noChangeAspect="1"/>
+          </p:cNvPicPr>
+          <p:nvPr/>
+        </p:nvPicPr>
+        <p:blipFill>
+          <a:blip r:embed="rId3"/>
+          <a:stretch>
+            <a:fillRect/>
+          </a:stretch>
+        </p:blipFill>
+        <p:spPr>
           <a:xfrm>
-            <a:off x="897581" y="1047431"/>
+            <a:off x="1772224" y="1696788"/>
             <a:ext cx="469433" cy="469433"/>
           </a:xfrm>
           <a:prstGeom prst="rect">
@@ -2976,13 +3000,13 @@
       </p:pic>
       <p:sp>
         <p:nvSpPr>
-          <p:cNvPr id="7" name="Rectangle: Rounded Corners 6"/>
+          <p:cNvPr id="9" name="Rectangle: Rounded Corners 8"/>
           <p:cNvSpPr/>
           <p:nvPr/>
         </p:nvSpPr>
         <p:spPr>
           <a:xfrm>
-            <a:off x="3141014" y="1967953"/>
+            <a:off x="1009107" y="2560990"/>
             <a:ext cx="2067340" cy="914400"/>
           </a:xfrm>
           <a:prstGeom prst="roundRect">
@@ -3024,20 +3048,104 @@
                   <a:schemeClr val="tx1"/>
                 </a:solidFill>
               </a:rPr>
-              <a:t>Create Drip</a:t>
-            </a:r>
-          </a:p>
-        </p:txBody>
-      </p:sp>
-      <p:sp>
-        <p:nvSpPr>
-          <p:cNvPr id="8" name="Rectangle: Rounded Corners 7"/>
+              <a:t>Ready</a:t>
+            </a:r>
+          </a:p>
+        </p:txBody>
+      </p:sp>
+      <p:cxnSp>
+        <p:nvCxnSpPr>
+          <p:cNvPr id="10" name="Straight Arrow Connector 9"/>
+          <p:cNvCxnSpPr>
+            <a:stCxn id="7" idx="2"/>
+            <a:endCxn id="9" idx="0"/>
+          </p:cNvCxnSpPr>
+          <p:nvPr/>
+        </p:nvCxnSpPr>
+        <p:spPr>
+          <a:xfrm>
+            <a:off x="2006941" y="2166221"/>
+            <a:ext cx="0" cy="394769"/>
+          </a:xfrm>
+          <a:prstGeom prst="straightConnector1">
+            <a:avLst/>
+          </a:prstGeom>
+          <a:ln>
+            <a:tailEnd type="triangle"/>
+          </a:ln>
+        </p:spPr>
+        <p:style>
+          <a:lnRef idx="1">
+            <a:schemeClr val="dk1"/>
+          </a:lnRef>
+          <a:fillRef idx="0">
+            <a:schemeClr val="dk1"/>
+          </a:fillRef>
+          <a:effectRef idx="0">
+            <a:schemeClr val="dk1"/>
+          </a:effectRef>
+          <a:fontRef idx="minor">
+            <a:schemeClr val="tx1"/>
+          </a:fontRef>
+        </p:style>
+      </p:cxnSp>
+      <p:sp>
+        <p:nvSpPr>
+          <p:cNvPr id="12" name="Curved Down Arrow 30"/>
           <p:cNvSpPr/>
           <p:nvPr/>
         </p:nvSpPr>
         <p:spPr>
           <a:xfrm>
-            <a:off x="6238967" y="1967953"/>
+            <a:off x="2747434" y="2162277"/>
+            <a:ext cx="1800200" cy="360040"/>
+          </a:xfrm>
+          <a:prstGeom prst="curvedDownArrow">
+            <a:avLst>
+              <a:gd name="adj1" fmla="val 9615"/>
+              <a:gd name="adj2" fmla="val 34246"/>
+              <a:gd name="adj3" fmla="val 25000"/>
+            </a:avLst>
+          </a:prstGeom>
+        </p:spPr>
+        <p:style>
+          <a:lnRef idx="2">
+            <a:schemeClr val="dk1">
+              <a:shade val="50000"/>
+            </a:schemeClr>
+          </a:lnRef>
+          <a:fillRef idx="1">
+            <a:schemeClr val="dk1"/>
+          </a:fillRef>
+          <a:effectRef idx="0">
+            <a:schemeClr val="dk1"/>
+          </a:effectRef>
+          <a:fontRef idx="minor">
+            <a:schemeClr val="lt1"/>
+          </a:fontRef>
+        </p:style>
+        <p:txBody>
+          <a:bodyPr rtlCol="0" anchor="ctr"/>
+          <a:lstStyle/>
+          <a:p>
+            <a:pPr algn="ctr"/>
+            <a:endParaRPr lang="en-IN">
+              <a:solidFill>
+                <a:schemeClr val="tx1"/>
+              </a:solidFill>
+            </a:endParaRPr>
+          </a:p>
+        </p:txBody>
+      </p:sp>
+      <p:sp>
+        <p:nvSpPr>
+          <p:cNvPr id="13" name="Rectangle: Rounded Corners 12"/>
+          <p:cNvSpPr/>
+          <p:nvPr/>
+        </p:nvSpPr>
+        <p:spPr>
+          <a:xfrm>
+            <a:off x="4223302" y="2560990"/>
             <a:ext cx="2067340" cy="914400"/>
           </a:xfrm>
           <a:prstGeom prst="roundRect">
@@ -3079,20 +3187,84 @@
                   <a:schemeClr val="tx1"/>
                 </a:solidFill>
               </a:rPr>
-              <a:t>Validation in process</a:t>
-            </a:r>
-          </a:p>
-        </p:txBody>
-      </p:sp>
-      <p:sp>
-        <p:nvSpPr>
-          <p:cNvPr id="9" name="Rectangle: Rounded Corners 8"/>
+              <a:t>Storing the drip in bucket(s)</a:t>
+            </a:r>
+          </a:p>
+        </p:txBody>
+      </p:sp>
+      <p:sp>
+        <p:nvSpPr>
+          <p:cNvPr id="14" name="TextBox 13"/>
+          <p:cNvSpPr txBox="1"/>
+          <p:nvPr/>
+        </p:nvSpPr>
+        <p:spPr>
+          <a:xfrm>
+            <a:off x="2796176" y="1727875"/>
+            <a:ext cx="1734064" cy="369332"/>
+          </a:xfrm>
+          <a:prstGeom prst="rect">
+            <a:avLst/>
+          </a:prstGeom>
+          <a:noFill/>
+        </p:spPr>
+        <p:txBody>
+          <a:bodyPr wrap="none" rtlCol="0">
+            <a:spAutoFit/>
+          </a:bodyPr>
+          <a:lstStyle/>
+          <a:p>
+            <a:r>
+              <a:rPr lang="en-US" dirty="0"/>
+              <a:t>Click drip button</a:t>
+            </a:r>
+          </a:p>
+        </p:txBody>
+      </p:sp>
+      <p:sp>
+        <p:nvSpPr>
+          <p:cNvPr id="18" name="TextBox 17"/>
+          <p:cNvSpPr txBox="1"/>
+          <p:nvPr/>
+        </p:nvSpPr>
+        <p:spPr>
+          <a:xfrm>
+            <a:off x="661775" y="4066624"/>
+            <a:ext cx="2685222" cy="646331"/>
+          </a:xfrm>
+          <a:prstGeom prst="rect">
+            <a:avLst/>
+          </a:prstGeom>
+          <a:noFill/>
+        </p:spPr>
+        <p:txBody>
+          <a:bodyPr wrap="none" rtlCol="0">
+            <a:spAutoFit/>
+          </a:bodyPr>
+          <a:lstStyle/>
+          <a:p>
+            <a:r>
+              <a:rPr lang="en-US" dirty="0"/>
+              <a:t>Prompting to create new</a:t>
+            </a:r>
+          </a:p>
+          <a:p>
+            <a:r>
+              <a:rPr lang="en-US" dirty="0"/>
+              <a:t> Drip, if any error(s) persist</a:t>
+            </a:r>
+          </a:p>
+        </p:txBody>
+      </p:sp>
+      <p:sp>
+        <p:nvSpPr>
+          <p:cNvPr id="19" name="Rectangle: Rounded Corners 18"/>
           <p:cNvSpPr/>
           <p:nvPr/>
         </p:nvSpPr>
         <p:spPr>
           <a:xfrm>
-            <a:off x="9466381" y="1964639"/>
+            <a:off x="7475887" y="2560990"/>
             <a:ext cx="2067340" cy="914400"/>
           </a:xfrm>
           <a:prstGeom prst="roundRect">
@@ -3134,154 +3306,20 @@
                   <a:schemeClr val="tx1"/>
                 </a:solidFill>
               </a:rPr>
-              <a:t>Parsing the drip</a:t>
-            </a:r>
-          </a:p>
-        </p:txBody>
-      </p:sp>
-      <p:sp>
-        <p:nvSpPr>
-          <p:cNvPr id="10" name="Rectangle: Rounded Corners 9"/>
-          <p:cNvSpPr/>
-          <p:nvPr/>
-        </p:nvSpPr>
-        <p:spPr>
-          <a:xfrm>
-            <a:off x="9559151" y="3382622"/>
-            <a:ext cx="2067340" cy="914400"/>
-          </a:xfrm>
-          <a:prstGeom prst="roundRect">
-            <a:avLst/>
-          </a:prstGeom>
-          <a:solidFill>
-            <a:schemeClr val="bg1"/>
-          </a:solidFill>
-          <a:ln>
-            <a:solidFill>
-              <a:schemeClr val="tx1"/>
-            </a:solidFill>
-          </a:ln>
-        </p:spPr>
-        <p:style>
-          <a:lnRef idx="2">
-            <a:schemeClr val="accent1">
-              <a:shade val="50000"/>
-            </a:schemeClr>
-          </a:lnRef>
-          <a:fillRef idx="1">
-            <a:schemeClr val="accent1"/>
-          </a:fillRef>
-          <a:effectRef idx="0">
-            <a:schemeClr val="accent1"/>
-          </a:effectRef>
-          <a:fontRef idx="minor">
-            <a:schemeClr val="lt1"/>
-          </a:fontRef>
-        </p:style>
-        <p:txBody>
-          <a:bodyPr rtlCol="0" anchor="ctr"/>
-          <a:lstStyle/>
-          <a:p>
-            <a:pPr algn="ctr"/>
-            <a:r>
-              <a:rPr lang="en-US" dirty="0">
-                <a:solidFill>
-                  <a:schemeClr val="tx1"/>
-                </a:solidFill>
-              </a:rPr>
-              <a:t>Store the drip</a:t>
-            </a:r>
-          </a:p>
-          <a:p>
-            <a:pPr algn="ctr"/>
-            <a:r>
-              <a:rPr lang="en-US" dirty="0">
-                <a:solidFill>
-                  <a:schemeClr val="tx1"/>
-                </a:solidFill>
-              </a:rPr>
-              <a:t>In the bucket(s)</a:t>
+              <a:t>Success</a:t>
             </a:r>
           </a:p>
         </p:txBody>
       </p:sp>
       <p:cxnSp>
         <p:nvCxnSpPr>
-          <p:cNvPr id="11" name="Straight Arrow Connector 10"/>
-          <p:cNvCxnSpPr/>
-          <p:nvPr/>
-        </p:nvCxnSpPr>
-        <p:spPr>
-          <a:xfrm flipV="1">
-            <a:off x="1914683" y="2421837"/>
-            <a:ext cx="1239588" cy="2"/>
-          </a:xfrm>
-          <a:prstGeom prst="straightConnector1">
-            <a:avLst/>
-          </a:prstGeom>
-          <a:ln>
-            <a:tailEnd type="triangle"/>
-          </a:ln>
-        </p:spPr>
-        <p:style>
-          <a:lnRef idx="1">
-            <a:schemeClr val="dk1"/>
-          </a:lnRef>
-          <a:fillRef idx="0">
-            <a:schemeClr val="dk1"/>
-          </a:fillRef>
-          <a:effectRef idx="0">
-            <a:schemeClr val="dk1"/>
-          </a:effectRef>
-          <a:fontRef idx="minor">
-            <a:schemeClr val="tx1"/>
-          </a:fontRef>
-        </p:style>
-      </p:cxnSp>
-      <p:cxnSp>
-        <p:nvCxnSpPr>
-          <p:cNvPr id="13" name="Straight Arrow Connector 12"/>
-          <p:cNvCxnSpPr>
-            <a:stCxn id="7" idx="3"/>
-          </p:cNvCxnSpPr>
-          <p:nvPr/>
-        </p:nvCxnSpPr>
-        <p:spPr>
-          <a:xfrm flipV="1">
-            <a:off x="5208354" y="2425151"/>
-            <a:ext cx="1027556" cy="2"/>
-          </a:xfrm>
-          <a:prstGeom prst="straightConnector1">
-            <a:avLst/>
-          </a:prstGeom>
-          <a:ln>
-            <a:tailEnd type="triangle"/>
-          </a:ln>
-        </p:spPr>
-        <p:style>
-          <a:lnRef idx="1">
-            <a:schemeClr val="dk1"/>
-          </a:lnRef>
-          <a:fillRef idx="0">
-            <a:schemeClr val="dk1"/>
-          </a:fillRef>
-          <a:effectRef idx="0">
-            <a:schemeClr val="dk1"/>
-          </a:effectRef>
-          <a:fontRef idx="minor">
-            <a:schemeClr val="tx1"/>
-          </a:fontRef>
-        </p:style>
-      </p:cxnSp>
-      <p:cxnSp>
-        <p:nvCxnSpPr>
-          <p:cNvPr id="14" name="Straight Arrow Connector 13"/>
+          <p:cNvPr id="20" name="Straight Arrow Connector 19"/>
           <p:cNvCxnSpPr/>
           <p:nvPr/>
         </p:nvCxnSpPr>
         <p:spPr>
           <a:xfrm>
-            <a:off x="8306306" y="2421839"/>
+            <a:off x="6277422" y="3004939"/>
             <a:ext cx="1160075" cy="2"/>
           </a:xfrm>
           <a:prstGeom prst="straightConnector1">
@@ -3306,18 +3344,42 @@
           </a:fontRef>
         </p:style>
       </p:cxnSp>
+      <p:pic>
+        <p:nvPicPr>
+          <p:cNvPr id="22" name="Picture 21"/>
+          <p:cNvPicPr>
+            <a:picLocks noChangeAspect="1"/>
+          </p:cNvPicPr>
+          <p:nvPr/>
+        </p:nvPicPr>
+        <p:blipFill>
+          <a:blip r:embed="rId4"/>
+          <a:stretch>
+            <a:fillRect/>
+          </a:stretch>
+        </p:blipFill>
+        <p:spPr>
+          <a:xfrm>
+            <a:off x="10571800" y="2783473"/>
+            <a:ext cx="469433" cy="469433"/>
+          </a:xfrm>
+          <a:prstGeom prst="rect">
+            <a:avLst/>
+          </a:prstGeom>
+        </p:spPr>
+      </p:pic>
       <p:cxnSp>
         <p:nvCxnSpPr>
-          <p:cNvPr id="17" name="Straight Arrow Connector 16"/>
+          <p:cNvPr id="23" name="Straight Arrow Connector 22"/>
           <p:cNvCxnSpPr>
-            <a:stCxn id="9" idx="2"/>
+            <a:stCxn id="19" idx="3"/>
           </p:cNvCxnSpPr>
           <p:nvPr/>
         </p:nvCxnSpPr>
         <p:spPr>
-          <a:xfrm>
-            <a:off x="10500051" y="2879039"/>
-            <a:ext cx="0" cy="503583"/>
+          <a:xfrm flipV="1">
+            <a:off x="9543227" y="3008252"/>
+            <a:ext cx="1028573" cy="0"/>
           </a:xfrm>
           <a:prstGeom prst="straightConnector1">
             <a:avLst/>
@@ -3343,384 +3405,14 @@
       </p:cxnSp>
       <p:sp>
         <p:nvSpPr>
-          <p:cNvPr id="19" name="Rectangle: Rounded Corners 18"/>
-          <p:cNvSpPr/>
+          <p:cNvPr id="26" name="TextBox 25"/>
+          <p:cNvSpPr txBox="1"/>
           <p:nvPr/>
         </p:nvSpPr>
         <p:spPr>
           <a:xfrm>
-            <a:off x="56318" y="1964639"/>
-            <a:ext cx="2067340" cy="914400"/>
-          </a:xfrm>
-          <a:prstGeom prst="roundRect">
-            <a:avLst/>
-          </a:prstGeom>
-          <a:solidFill>
-            <a:schemeClr val="bg1"/>
-          </a:solidFill>
-          <a:ln>
-            <a:solidFill>
-              <a:schemeClr val="tx1"/>
-            </a:solidFill>
-          </a:ln>
-        </p:spPr>
-        <p:style>
-          <a:lnRef idx="2">
-            <a:schemeClr val="accent1">
-              <a:shade val="50000"/>
-            </a:schemeClr>
-          </a:lnRef>
-          <a:fillRef idx="1">
-            <a:schemeClr val="accent1"/>
-          </a:fillRef>
-          <a:effectRef idx="0">
-            <a:schemeClr val="accent1"/>
-          </a:effectRef>
-          <a:fontRef idx="minor">
-            <a:schemeClr val="lt1"/>
-          </a:fontRef>
-        </p:style>
-        <p:txBody>
-          <a:bodyPr rtlCol="0" anchor="ctr"/>
-          <a:lstStyle/>
-          <a:p>
-            <a:pPr algn="ctr"/>
-            <a:r>
-              <a:rPr lang="en-US" dirty="0">
-                <a:solidFill>
-                  <a:schemeClr val="tx1"/>
-                </a:solidFill>
-              </a:rPr>
-              <a:t>Ready</a:t>
-            </a:r>
-          </a:p>
-        </p:txBody>
-      </p:sp>
-      <p:sp>
-        <p:nvSpPr>
-          <p:cNvPr id="21" name="Rectangle: Rounded Corners 20"/>
-          <p:cNvSpPr/>
-          <p:nvPr/>
-        </p:nvSpPr>
-        <p:spPr>
-          <a:xfrm>
-            <a:off x="9559151" y="4807229"/>
-            <a:ext cx="2067340" cy="914400"/>
-          </a:xfrm>
-          <a:prstGeom prst="roundRect">
-            <a:avLst/>
-          </a:prstGeom>
-          <a:solidFill>
-            <a:schemeClr val="bg1"/>
-          </a:solidFill>
-          <a:ln>
-            <a:solidFill>
-              <a:schemeClr val="tx1"/>
-            </a:solidFill>
-          </a:ln>
-        </p:spPr>
-        <p:style>
-          <a:lnRef idx="2">
-            <a:schemeClr val="accent1">
-              <a:shade val="50000"/>
-            </a:schemeClr>
-          </a:lnRef>
-          <a:fillRef idx="1">
-            <a:schemeClr val="accent1"/>
-          </a:fillRef>
-          <a:effectRef idx="0">
-            <a:schemeClr val="accent1"/>
-          </a:effectRef>
-          <a:fontRef idx="minor">
-            <a:schemeClr val="lt1"/>
-          </a:fontRef>
-        </p:style>
-        <p:txBody>
-          <a:bodyPr rtlCol="0" anchor="ctr"/>
-          <a:lstStyle/>
-          <a:p>
-            <a:pPr algn="ctr"/>
-            <a:r>
-              <a:rPr lang="en-US" dirty="0">
-                <a:solidFill>
-                  <a:schemeClr val="tx1"/>
-                </a:solidFill>
-              </a:rPr>
-              <a:t>Success</a:t>
-            </a:r>
-          </a:p>
-        </p:txBody>
-      </p:sp>
-      <p:cxnSp>
-        <p:nvCxnSpPr>
-          <p:cNvPr id="23" name="Straight Arrow Connector 22"/>
-          <p:cNvCxnSpPr/>
-          <p:nvPr/>
-        </p:nvCxnSpPr>
-        <p:spPr>
-          <a:xfrm>
-            <a:off x="10500051" y="4310269"/>
-            <a:ext cx="0" cy="503583"/>
-          </a:xfrm>
-          <a:prstGeom prst="straightConnector1">
-            <a:avLst/>
-          </a:prstGeom>
-          <a:ln>
-            <a:tailEnd type="triangle"/>
-          </a:ln>
-        </p:spPr>
-        <p:style>
-          <a:lnRef idx="1">
-            <a:schemeClr val="dk1"/>
-          </a:lnRef>
-          <a:fillRef idx="0">
-            <a:schemeClr val="dk1"/>
-          </a:fillRef>
-          <a:effectRef idx="0">
-            <a:schemeClr val="dk1"/>
-          </a:effectRef>
-          <a:fontRef idx="minor">
-            <a:schemeClr val="tx1"/>
-          </a:fontRef>
-        </p:style>
-      </p:cxnSp>
-      <p:sp>
-        <p:nvSpPr>
-          <p:cNvPr id="24" name="Flowchart: Connector 23"/>
-          <p:cNvSpPr/>
-          <p:nvPr/>
-        </p:nvSpPr>
-        <p:spPr>
-          <a:xfrm>
-            <a:off x="10357589" y="6175506"/>
-            <a:ext cx="284923" cy="284923"/>
-          </a:xfrm>
-          <a:prstGeom prst="flowChartConnector">
-            <a:avLst/>
-          </a:prstGeom>
-          <a:solidFill>
-            <a:schemeClr val="tx1"/>
-          </a:solidFill>
-          <a:ln>
-            <a:solidFill>
-              <a:schemeClr val="tx1"/>
-            </a:solidFill>
-          </a:ln>
-        </p:spPr>
-        <p:style>
-          <a:lnRef idx="2">
-            <a:schemeClr val="accent1">
-              <a:shade val="50000"/>
-            </a:schemeClr>
-          </a:lnRef>
-          <a:fillRef idx="1">
-            <a:schemeClr val="accent1"/>
-          </a:fillRef>
-          <a:effectRef idx="0">
-            <a:schemeClr val="accent1"/>
-          </a:effectRef>
-          <a:fontRef idx="minor">
-            <a:schemeClr val="lt1"/>
-          </a:fontRef>
-        </p:style>
-        <p:txBody>
-          <a:bodyPr rtlCol="0" anchor="ctr"/>
-          <a:lstStyle/>
-          <a:p>
-            <a:pPr algn="ctr"/>
-            <a:endParaRPr lang="en-US"/>
-          </a:p>
-        </p:txBody>
-      </p:sp>
-      <p:sp>
-        <p:nvSpPr>
-          <p:cNvPr id="25" name="Flowchart: Connector 24"/>
-          <p:cNvSpPr/>
-          <p:nvPr/>
-        </p:nvSpPr>
-        <p:spPr>
-          <a:xfrm>
-            <a:off x="10271451" y="6099312"/>
-            <a:ext cx="457200" cy="457200"/>
-          </a:xfrm>
-          <a:prstGeom prst="flowChartConnector">
-            <a:avLst/>
-          </a:prstGeom>
-          <a:noFill/>
-          <a:ln>
-            <a:solidFill>
-              <a:schemeClr val="tx1"/>
-            </a:solidFill>
-          </a:ln>
-        </p:spPr>
-        <p:style>
-          <a:lnRef idx="2">
-            <a:schemeClr val="accent1">
-              <a:shade val="50000"/>
-            </a:schemeClr>
-          </a:lnRef>
-          <a:fillRef idx="1">
-            <a:schemeClr val="accent1"/>
-          </a:fillRef>
-          <a:effectRef idx="0">
-            <a:schemeClr val="accent1"/>
-          </a:effectRef>
-          <a:fontRef idx="minor">
-            <a:schemeClr val="lt1"/>
-          </a:fontRef>
-        </p:style>
-        <p:txBody>
-          <a:bodyPr rtlCol="0" anchor="ctr"/>
-          <a:lstStyle/>
-          <a:p>
-            <a:pPr algn="ctr"/>
-            <a:endParaRPr lang="en-US"/>
-          </a:p>
-        </p:txBody>
-      </p:sp>
-      <p:cxnSp>
-        <p:nvCxnSpPr>
-          <p:cNvPr id="27" name="Straight Arrow Connector 26"/>
-          <p:cNvCxnSpPr>
-            <a:stCxn id="21" idx="2"/>
-          </p:cNvCxnSpPr>
-          <p:nvPr/>
-        </p:nvCxnSpPr>
-        <p:spPr>
-          <a:xfrm flipH="1">
-            <a:off x="10500050" y="5721629"/>
-            <a:ext cx="0" cy="357807"/>
-          </a:xfrm>
-          <a:prstGeom prst="straightConnector1">
-            <a:avLst/>
-          </a:prstGeom>
-          <a:ln>
-            <a:tailEnd type="triangle"/>
-          </a:ln>
-        </p:spPr>
-        <p:style>
-          <a:lnRef idx="1">
-            <a:schemeClr val="dk1"/>
-          </a:lnRef>
-          <a:fillRef idx="0">
-            <a:schemeClr val="dk1"/>
-          </a:fillRef>
-          <a:effectRef idx="0">
-            <a:schemeClr val="dk1"/>
-          </a:effectRef>
-          <a:fontRef idx="minor">
-            <a:schemeClr val="tx1"/>
-          </a:fontRef>
-        </p:style>
-      </p:cxnSp>
-      <p:cxnSp>
-        <p:nvCxnSpPr>
-          <p:cNvPr id="30" name="Straight Connector 29"/>
-          <p:cNvCxnSpPr>
-            <a:stCxn id="8" idx="2"/>
-          </p:cNvCxnSpPr>
-          <p:nvPr/>
-        </p:nvCxnSpPr>
-        <p:spPr>
-          <a:xfrm>
-            <a:off x="7272637" y="2882353"/>
-            <a:ext cx="0" cy="500269"/>
-          </a:xfrm>
-          <a:prstGeom prst="line">
-            <a:avLst/>
-          </a:prstGeom>
-        </p:spPr>
-        <p:style>
-          <a:lnRef idx="1">
-            <a:schemeClr val="dk1"/>
-          </a:lnRef>
-          <a:fillRef idx="0">
-            <a:schemeClr val="dk1"/>
-          </a:fillRef>
-          <a:effectRef idx="0">
-            <a:schemeClr val="dk1"/>
-          </a:effectRef>
-          <a:fontRef idx="minor">
-            <a:schemeClr val="tx1"/>
-          </a:fontRef>
-        </p:style>
-      </p:cxnSp>
-      <p:cxnSp>
-        <p:nvCxnSpPr>
-          <p:cNvPr id="33" name="Straight Connector 32"/>
-          <p:cNvCxnSpPr/>
-          <p:nvPr/>
-        </p:nvCxnSpPr>
-        <p:spPr>
-          <a:xfrm flipH="1">
-            <a:off x="4174684" y="3382622"/>
-            <a:ext cx="3097954" cy="0"/>
-          </a:xfrm>
-          <a:prstGeom prst="line">
-            <a:avLst/>
-          </a:prstGeom>
-        </p:spPr>
-        <p:style>
-          <a:lnRef idx="1">
-            <a:schemeClr val="dk1"/>
-          </a:lnRef>
-          <a:fillRef idx="0">
-            <a:schemeClr val="dk1"/>
-          </a:fillRef>
-          <a:effectRef idx="0">
-            <a:schemeClr val="dk1"/>
-          </a:effectRef>
-          <a:fontRef idx="minor">
-            <a:schemeClr val="tx1"/>
-          </a:fontRef>
-        </p:style>
-      </p:cxnSp>
-      <p:cxnSp>
-        <p:nvCxnSpPr>
-          <p:cNvPr id="36" name="Straight Connector 35"/>
-          <p:cNvCxnSpPr>
-            <a:endCxn id="7" idx="2"/>
-          </p:cNvCxnSpPr>
-          <p:nvPr/>
-        </p:nvCxnSpPr>
-        <p:spPr>
-          <a:xfrm flipH="1" flipV="1">
-            <a:off x="4174684" y="2882353"/>
-            <a:ext cx="0" cy="500269"/>
-          </a:xfrm>
-          <a:prstGeom prst="line">
-            <a:avLst/>
-          </a:prstGeom>
-          <a:ln>
-            <a:headEnd type="none" w="med" len="med"/>
-            <a:tailEnd type="arrow" w="med" len="med"/>
-          </a:ln>
-        </p:spPr>
-        <p:style>
-          <a:lnRef idx="1">
-            <a:schemeClr val="dk1"/>
-          </a:lnRef>
-          <a:fillRef idx="0">
-            <a:schemeClr val="dk1"/>
-          </a:fillRef>
-          <a:effectRef idx="0">
-            <a:schemeClr val="dk1"/>
-          </a:effectRef>
-          <a:fontRef idx="minor">
-            <a:schemeClr val="tx1"/>
-          </a:fontRef>
-        </p:style>
-      </p:cxnSp>
-      <p:sp>
-        <p:nvSpPr>
-          <p:cNvPr id="39" name="TextBox 38"/>
-          <p:cNvSpPr txBox="1"/>
-          <p:nvPr/>
-        </p:nvSpPr>
-        <p:spPr>
-          <a:xfrm>
-            <a:off x="4199609" y="3382622"/>
-            <a:ext cx="3070328" cy="646331"/>
+            <a:off x="3509822" y="509142"/>
+            <a:ext cx="4318426" cy="954107"/>
           </a:xfrm>
           <a:prstGeom prst="rect">
             <a:avLst/>
@@ -3734,87 +3426,19 @@
           <a:lstStyle/>
           <a:p>
             <a:r>
-              <a:rPr lang="en-US" dirty="0"/>
-              <a:t>[Prompting to create new drip,</a:t>
-            </a:r>
-          </a:p>
-          <a:p>
-            <a:r>
-              <a:rPr lang="en-US" dirty="0"/>
-              <a:t>  if validation fails]</a:t>
-            </a:r>
-          </a:p>
-        </p:txBody>
-      </p:sp>
-      <p:cxnSp>
-        <p:nvCxnSpPr>
-          <p:cNvPr id="41" name="Straight Arrow Connector 40"/>
-          <p:cNvCxnSpPr>
-            <a:stCxn id="5" idx="2"/>
-            <a:endCxn id="19" idx="0"/>
-          </p:cNvCxnSpPr>
-          <p:nvPr/>
-        </p:nvCxnSpPr>
-        <p:spPr>
-          <a:xfrm flipH="1">
-            <a:off x="1089988" y="1516864"/>
-            <a:ext cx="0" cy="447775"/>
-          </a:xfrm>
-          <a:prstGeom prst="straightConnector1">
-            <a:avLst/>
-          </a:prstGeom>
-          <a:ln>
-            <a:tailEnd type="triangle"/>
-          </a:ln>
-        </p:spPr>
-        <p:style>
-          <a:lnRef idx="1">
-            <a:schemeClr val="dk1"/>
-          </a:lnRef>
-          <a:fillRef idx="0">
-            <a:schemeClr val="dk1"/>
-          </a:fillRef>
-          <a:effectRef idx="0">
-            <a:schemeClr val="dk1"/>
-          </a:effectRef>
-          <a:fontRef idx="minor">
-            <a:schemeClr val="tx1"/>
-          </a:fontRef>
-        </p:style>
-      </p:cxnSp>
-      <p:sp>
-        <p:nvSpPr>
-          <p:cNvPr id="43" name="TextBox 42"/>
-          <p:cNvSpPr txBox="1"/>
-          <p:nvPr/>
-        </p:nvSpPr>
-        <p:spPr>
-          <a:xfrm>
-            <a:off x="3562919" y="357809"/>
-            <a:ext cx="4318426" cy="523220"/>
-          </a:xfrm>
-          <a:prstGeom prst="rect">
-            <a:avLst/>
-          </a:prstGeom>
-          <a:noFill/>
-        </p:spPr>
-        <p:txBody>
-          <a:bodyPr wrap="none" rtlCol="0">
-            <a:spAutoFit/>
-          </a:bodyPr>
-          <a:lstStyle/>
-          <a:p>
-            <a:r>
               <a:rPr lang="en-US" sz="2800" b="1" dirty="0"/>
               <a:t>Create Drip – State Diagram</a:t>
             </a:r>
+          </a:p>
+          <a:p>
+            <a:endParaRPr lang="en-US" sz="2800" dirty="0"/>
           </a:p>
         </p:txBody>
       </p:sp>
     </p:spTree>
     <p:extLst>
       <p:ext uri="{BB962C8B-B14F-4D97-AF65-F5344CB8AC3E}">
-        <p14:creationId xmlns:p14="http://schemas.microsoft.com/office/powerpoint/2010/main" val="1209943600"/>
+        <p14:creationId xmlns:p14="http://schemas.microsoft.com/office/powerpoint/2010/main" val="512287738"/>
       </p:ext>
     </p:extLst>
   </p:cSld>

--- a/docs/sprint2/archives/create-drip-state-diagram.pptx
+++ b/docs/sprint2/archives/create-drip-state-diagram.pptx
@@ -241,7 +241,7 @@
           <a:p>
             <a:fld id="{1826550F-88F7-4508-AA0E-A9BCF65AA580}" type="datetimeFigureOut">
               <a:rPr lang="en-US" smtClean="0"/>
-              <a:t>11/19/2016</a:t>
+              <a:t>11/22/2016</a:t>
             </a:fld>
             <a:endParaRPr lang="en-US"/>
           </a:p>
@@ -409,7 +409,7 @@
           <a:p>
             <a:fld id="{1826550F-88F7-4508-AA0E-A9BCF65AA580}" type="datetimeFigureOut">
               <a:rPr lang="en-US" smtClean="0"/>
-              <a:t>11/19/2016</a:t>
+              <a:t>11/22/2016</a:t>
             </a:fld>
             <a:endParaRPr lang="en-US"/>
           </a:p>
@@ -587,7 +587,7 @@
           <a:p>
             <a:fld id="{1826550F-88F7-4508-AA0E-A9BCF65AA580}" type="datetimeFigureOut">
               <a:rPr lang="en-US" smtClean="0"/>
-              <a:t>11/19/2016</a:t>
+              <a:t>11/22/2016</a:t>
             </a:fld>
             <a:endParaRPr lang="en-US"/>
           </a:p>
@@ -755,7 +755,7 @@
           <a:p>
             <a:fld id="{1826550F-88F7-4508-AA0E-A9BCF65AA580}" type="datetimeFigureOut">
               <a:rPr lang="en-US" smtClean="0"/>
-              <a:t>11/19/2016</a:t>
+              <a:t>11/22/2016</a:t>
             </a:fld>
             <a:endParaRPr lang="en-US"/>
           </a:p>
@@ -1000,7 +1000,7 @@
           <a:p>
             <a:fld id="{1826550F-88F7-4508-AA0E-A9BCF65AA580}" type="datetimeFigureOut">
               <a:rPr lang="en-US" smtClean="0"/>
-              <a:t>11/19/2016</a:t>
+              <a:t>11/22/2016</a:t>
             </a:fld>
             <a:endParaRPr lang="en-US"/>
           </a:p>
@@ -1229,7 +1229,7 @@
           <a:p>
             <a:fld id="{1826550F-88F7-4508-AA0E-A9BCF65AA580}" type="datetimeFigureOut">
               <a:rPr lang="en-US" smtClean="0"/>
-              <a:t>11/19/2016</a:t>
+              <a:t>11/22/2016</a:t>
             </a:fld>
             <a:endParaRPr lang="en-US"/>
           </a:p>
@@ -1593,7 +1593,7 @@
           <a:p>
             <a:fld id="{1826550F-88F7-4508-AA0E-A9BCF65AA580}" type="datetimeFigureOut">
               <a:rPr lang="en-US" smtClean="0"/>
-              <a:t>11/19/2016</a:t>
+              <a:t>11/22/2016</a:t>
             </a:fld>
             <a:endParaRPr lang="en-US"/>
           </a:p>
@@ -1710,7 +1710,7 @@
           <a:p>
             <a:fld id="{1826550F-88F7-4508-AA0E-A9BCF65AA580}" type="datetimeFigureOut">
               <a:rPr lang="en-US" smtClean="0"/>
-              <a:t>11/19/2016</a:t>
+              <a:t>11/22/2016</a:t>
             </a:fld>
             <a:endParaRPr lang="en-US"/>
           </a:p>
@@ -1805,7 +1805,7 @@
           <a:p>
             <a:fld id="{1826550F-88F7-4508-AA0E-A9BCF65AA580}" type="datetimeFigureOut">
               <a:rPr lang="en-US" smtClean="0"/>
-              <a:t>11/19/2016</a:t>
+              <a:t>11/22/2016</a:t>
             </a:fld>
             <a:endParaRPr lang="en-US"/>
           </a:p>
@@ -2080,7 +2080,7 @@
           <a:p>
             <a:fld id="{1826550F-88F7-4508-AA0E-A9BCF65AA580}" type="datetimeFigureOut">
               <a:rPr lang="en-US" smtClean="0"/>
-              <a:t>11/19/2016</a:t>
+              <a:t>11/22/2016</a:t>
             </a:fld>
             <a:endParaRPr lang="en-US"/>
           </a:p>
@@ -2332,7 +2332,7 @@
           <a:p>
             <a:fld id="{1826550F-88F7-4508-AA0E-A9BCF65AA580}" type="datetimeFigureOut">
               <a:rPr lang="en-US" smtClean="0"/>
-              <a:t>11/19/2016</a:t>
+              <a:t>11/22/2016</a:t>
             </a:fld>
             <a:endParaRPr lang="en-US"/>
           </a:p>
@@ -2543,7 +2543,7 @@
           <a:p>
             <a:fld id="{1826550F-88F7-4508-AA0E-A9BCF65AA580}" type="datetimeFigureOut">
               <a:rPr lang="en-US" smtClean="0"/>
-              <a:t>11/19/2016</a:t>
+              <a:t>11/22/2016</a:t>
             </a:fld>
             <a:endParaRPr lang="en-US"/>
           </a:p>
@@ -2966,7 +2966,7 @@
         </p:blipFill>
         <p:spPr>
           <a:xfrm flipH="1" flipV="1">
-            <a:off x="1472285" y="3475390"/>
+            <a:off x="3129760" y="3491542"/>
             <a:ext cx="1064202" cy="506068"/>
           </a:xfrm>
           <a:prstGeom prst="rect">
@@ -2990,7 +2990,7 @@
         </p:blipFill>
         <p:spPr>
           <a:xfrm>
-            <a:off x="1772224" y="1696788"/>
+            <a:off x="3427144" y="1679942"/>
             <a:ext cx="469433" cy="469433"/>
           </a:xfrm>
           <a:prstGeom prst="rect">
@@ -3006,7 +3006,7 @@
         </p:nvSpPr>
         <p:spPr>
           <a:xfrm>
-            <a:off x="1009107" y="2560990"/>
+            <a:off x="2629538" y="2560990"/>
             <a:ext cx="2067340" cy="914400"/>
           </a:xfrm>
           <a:prstGeom prst="roundRect">
@@ -3064,8 +3064,8 @@
         </p:nvCxnSpPr>
         <p:spPr>
           <a:xfrm>
-            <a:off x="2006941" y="2166221"/>
-            <a:ext cx="0" cy="394769"/>
+            <a:off x="3661861" y="2149375"/>
+            <a:ext cx="1347" cy="411615"/>
           </a:xfrm>
           <a:prstGeom prst="straightConnector1">
             <a:avLst/>
@@ -3097,7 +3097,7 @@
         </p:nvSpPr>
         <p:spPr>
           <a:xfrm>
-            <a:off x="2747434" y="2162277"/>
+            <a:off x="4244931" y="2200950"/>
             <a:ext cx="1800200" cy="360040"/>
           </a:xfrm>
           <a:prstGeom prst="curvedDownArrow">
@@ -3139,13 +3139,77 @@
       </p:sp>
       <p:sp>
         <p:nvSpPr>
-          <p:cNvPr id="13" name="Rectangle: Rounded Corners 12"/>
+          <p:cNvPr id="14" name="TextBox 13"/>
+          <p:cNvSpPr txBox="1"/>
+          <p:nvPr/>
+        </p:nvSpPr>
+        <p:spPr>
+          <a:xfrm>
+            <a:off x="4244931" y="1766467"/>
+            <a:ext cx="1734064" cy="369332"/>
+          </a:xfrm>
+          <a:prstGeom prst="rect">
+            <a:avLst/>
+          </a:prstGeom>
+          <a:noFill/>
+        </p:spPr>
+        <p:txBody>
+          <a:bodyPr wrap="none" rtlCol="0">
+            <a:spAutoFit/>
+          </a:bodyPr>
+          <a:lstStyle/>
+          <a:p>
+            <a:r>
+              <a:rPr lang="en-US" dirty="0"/>
+              <a:t>Click drip button</a:t>
+            </a:r>
+          </a:p>
+        </p:txBody>
+      </p:sp>
+      <p:sp>
+        <p:nvSpPr>
+          <p:cNvPr id="18" name="TextBox 17"/>
+          <p:cNvSpPr txBox="1"/>
+          <p:nvPr/>
+        </p:nvSpPr>
+        <p:spPr>
+          <a:xfrm>
+            <a:off x="2319250" y="3997610"/>
+            <a:ext cx="2685222" cy="646331"/>
+          </a:xfrm>
+          <a:prstGeom prst="rect">
+            <a:avLst/>
+          </a:prstGeom>
+          <a:noFill/>
+        </p:spPr>
+        <p:txBody>
+          <a:bodyPr wrap="none" rtlCol="0">
+            <a:spAutoFit/>
+          </a:bodyPr>
+          <a:lstStyle/>
+          <a:p>
+            <a:r>
+              <a:rPr lang="en-US" dirty="0"/>
+              <a:t>Prompting to create new</a:t>
+            </a:r>
+          </a:p>
+          <a:p>
+            <a:r>
+              <a:rPr lang="en-US" dirty="0"/>
+              <a:t> Drip, if any error(s) persist</a:t>
+            </a:r>
+          </a:p>
+        </p:txBody>
+      </p:sp>
+      <p:sp>
+        <p:nvSpPr>
+          <p:cNvPr id="19" name="Rectangle: Rounded Corners 18"/>
           <p:cNvSpPr/>
           <p:nvPr/>
         </p:nvSpPr>
         <p:spPr>
           <a:xfrm>
-            <a:off x="4223302" y="2560990"/>
+            <a:off x="5760908" y="2560990"/>
             <a:ext cx="2067340" cy="914400"/>
           </a:xfrm>
           <a:prstGeom prst="roundRect">
@@ -3187,163 +3251,11 @@
                   <a:schemeClr val="tx1"/>
                 </a:solidFill>
               </a:rPr>
-              <a:t>Storing the drip in bucket(s)</a:t>
-            </a:r>
-          </a:p>
-        </p:txBody>
-      </p:sp>
-      <p:sp>
-        <p:nvSpPr>
-          <p:cNvPr id="14" name="TextBox 13"/>
-          <p:cNvSpPr txBox="1"/>
-          <p:nvPr/>
-        </p:nvSpPr>
-        <p:spPr>
-          <a:xfrm>
-            <a:off x="2796176" y="1727875"/>
-            <a:ext cx="1734064" cy="369332"/>
-          </a:xfrm>
-          <a:prstGeom prst="rect">
-            <a:avLst/>
-          </a:prstGeom>
-          <a:noFill/>
-        </p:spPr>
-        <p:txBody>
-          <a:bodyPr wrap="none" rtlCol="0">
-            <a:spAutoFit/>
-          </a:bodyPr>
-          <a:lstStyle/>
-          <a:p>
-            <a:r>
-              <a:rPr lang="en-US" dirty="0"/>
-              <a:t>Click drip button</a:t>
-            </a:r>
-          </a:p>
-        </p:txBody>
-      </p:sp>
-      <p:sp>
-        <p:nvSpPr>
-          <p:cNvPr id="18" name="TextBox 17"/>
-          <p:cNvSpPr txBox="1"/>
-          <p:nvPr/>
-        </p:nvSpPr>
-        <p:spPr>
-          <a:xfrm>
-            <a:off x="661775" y="4066624"/>
-            <a:ext cx="2685222" cy="646331"/>
-          </a:xfrm>
-          <a:prstGeom prst="rect">
-            <a:avLst/>
-          </a:prstGeom>
-          <a:noFill/>
-        </p:spPr>
-        <p:txBody>
-          <a:bodyPr wrap="none" rtlCol="0">
-            <a:spAutoFit/>
-          </a:bodyPr>
-          <a:lstStyle/>
-          <a:p>
-            <a:r>
-              <a:rPr lang="en-US" dirty="0"/>
-              <a:t>Prompting to create new</a:t>
-            </a:r>
-          </a:p>
-          <a:p>
-            <a:r>
-              <a:rPr lang="en-US" dirty="0"/>
-              <a:t> Drip, if any error(s) persist</a:t>
-            </a:r>
-          </a:p>
-        </p:txBody>
-      </p:sp>
-      <p:sp>
-        <p:nvSpPr>
-          <p:cNvPr id="19" name="Rectangle: Rounded Corners 18"/>
-          <p:cNvSpPr/>
-          <p:nvPr/>
-        </p:nvSpPr>
-        <p:spPr>
-          <a:xfrm>
-            <a:off x="7475887" y="2560990"/>
-            <a:ext cx="2067340" cy="914400"/>
-          </a:xfrm>
-          <a:prstGeom prst="roundRect">
-            <a:avLst/>
-          </a:prstGeom>
-          <a:solidFill>
-            <a:schemeClr val="bg1"/>
-          </a:solidFill>
-          <a:ln>
-            <a:solidFill>
-              <a:schemeClr val="tx1"/>
-            </a:solidFill>
-          </a:ln>
-        </p:spPr>
-        <p:style>
-          <a:lnRef idx="2">
-            <a:schemeClr val="accent1">
-              <a:shade val="50000"/>
-            </a:schemeClr>
-          </a:lnRef>
-          <a:fillRef idx="1">
-            <a:schemeClr val="accent1"/>
-          </a:fillRef>
-          <a:effectRef idx="0">
-            <a:schemeClr val="accent1"/>
-          </a:effectRef>
-          <a:fontRef idx="minor">
-            <a:schemeClr val="lt1"/>
-          </a:fontRef>
-        </p:style>
-        <p:txBody>
-          <a:bodyPr rtlCol="0" anchor="ctr"/>
-          <a:lstStyle/>
-          <a:p>
-            <a:pPr algn="ctr"/>
-            <a:r>
-              <a:rPr lang="en-US" dirty="0">
-                <a:solidFill>
-                  <a:schemeClr val="tx1"/>
-                </a:solidFill>
-              </a:rPr>
               <a:t>Success</a:t>
             </a:r>
           </a:p>
         </p:txBody>
       </p:sp>
-      <p:cxnSp>
-        <p:nvCxnSpPr>
-          <p:cNvPr id="20" name="Straight Arrow Connector 19"/>
-          <p:cNvCxnSpPr/>
-          <p:nvPr/>
-        </p:nvCxnSpPr>
-        <p:spPr>
-          <a:xfrm>
-            <a:off x="6277422" y="3004939"/>
-            <a:ext cx="1160075" cy="2"/>
-          </a:xfrm>
-          <a:prstGeom prst="straightConnector1">
-            <a:avLst/>
-          </a:prstGeom>
-          <a:ln>
-            <a:tailEnd type="triangle"/>
-          </a:ln>
-        </p:spPr>
-        <p:style>
-          <a:lnRef idx="1">
-            <a:schemeClr val="dk1"/>
-          </a:lnRef>
-          <a:fillRef idx="0">
-            <a:schemeClr val="dk1"/>
-          </a:fillRef>
-          <a:effectRef idx="0">
-            <a:schemeClr val="dk1"/>
-          </a:effectRef>
-          <a:fontRef idx="minor">
-            <a:schemeClr val="tx1"/>
-          </a:fontRef>
-        </p:style>
-      </p:cxnSp>
       <p:pic>
         <p:nvPicPr>
           <p:cNvPr id="22" name="Picture 21"/>
@@ -3360,7 +3272,7 @@
         </p:blipFill>
         <p:spPr>
           <a:xfrm>
-            <a:off x="10571800" y="2783473"/>
+            <a:off x="8856821" y="2773535"/>
             <a:ext cx="469433" cy="469433"/>
           </a:xfrm>
           <a:prstGeom prst="rect">
@@ -3378,7 +3290,7 @@
         </p:nvCxnSpPr>
         <p:spPr>
           <a:xfrm flipV="1">
-            <a:off x="9543227" y="3008252"/>
+            <a:off x="7828248" y="3008252"/>
             <a:ext cx="1028573" cy="0"/>
           </a:xfrm>
           <a:prstGeom prst="straightConnector1">
